--- a/Project/2015180012박건호 2D 게임 프로그래밍 프로젝트 최종발표.pptx
+++ b/Project/2015180012박건호 2D 게임 프로그래밍 프로젝트 최종발표.pptx
@@ -7,7 +7,10 @@
   <p:sldIdLst>
     <p:sldId id="258" r:id="rId2"/>
     <p:sldId id="259" r:id="rId3"/>
-    <p:sldId id="266" r:id="rId4"/>
+    <p:sldId id="261" r:id="rId4"/>
+    <p:sldId id="267" r:id="rId5"/>
+    <p:sldId id="268" r:id="rId6"/>
+    <p:sldId id="266" r:id="rId7"/>
   </p:sldIdLst>
   <p:sldSz cx="12192000" cy="6858000"/>
   <p:notesSz cx="6858000" cy="9144000"/>
@@ -5899,6 +5902,9 @@
           <a:p>
             <a:r>
               <a:rPr lang="ko-KR" altLang="en-US" sz="2400" b="1" dirty="0">
+                <a:solidFill>
+                  <a:schemeClr val="tx1"/>
+                </a:solidFill>
                 <a:effectLst>
                   <a:outerShdw blurRad="38100" dist="38100" dir="2700000" algn="tl">
                     <a:srgbClr val="000000">
@@ -5907,9 +5913,12 @@
                   </a:outerShdw>
                 </a:effectLst>
               </a:rPr>
-              <a:t>프로젝트</a:t>
+              <a:t>최종프로젝트</a:t>
             </a:r>
             <a:endParaRPr lang="en-US" altLang="ko-KR" sz="2400" b="1" dirty="0">
+              <a:solidFill>
+                <a:schemeClr val="tx1"/>
+              </a:solidFill>
               <a:effectLst>
                 <a:outerShdw blurRad="38100" dist="38100" dir="2700000" algn="tl">
                   <a:srgbClr val="000000">
@@ -6241,8 +6250,8 @@
         </p:nvSpPr>
         <p:spPr>
           <a:xfrm>
-            <a:off x="677334" y="2160589"/>
-            <a:ext cx="3851122" cy="3880773"/>
+            <a:off x="677333" y="2160589"/>
+            <a:ext cx="4893907" cy="3880773"/>
           </a:xfrm>
         </p:spPr>
         <p:txBody>
@@ -6253,73 +6262,89 @@
           <a:p>
             <a:r>
               <a:rPr lang="ko-KR" altLang="en-US" sz="4000" b="1" dirty="0"/>
-              <a:t>게임 컨셉</a:t>
+              <a:t>게임 소개</a:t>
             </a:r>
             <a:endParaRPr lang="en-US" altLang="ko-KR" sz="4000" b="1" dirty="0"/>
           </a:p>
           <a:p>
             <a:r>
-              <a:rPr lang="ko-KR" altLang="en-US" b="1" u="sng" dirty="0"/>
-              <a:t>고르고 </a:t>
-            </a:r>
-            <a:endParaRPr lang="en-US" altLang="ko-KR" b="1" u="sng" dirty="0"/>
-          </a:p>
-          <a:p>
-            <a:r>
-              <a:rPr lang="ko-KR" altLang="en-US" b="1" u="sng" dirty="0"/>
-              <a:t>만들어서</a:t>
-            </a:r>
-            <a:endParaRPr lang="en-US" altLang="ko-KR" b="1" u="sng" dirty="0"/>
-          </a:p>
-          <a:p>
-            <a:r>
-              <a:rPr lang="ko-KR" altLang="en-US" b="1" u="sng" dirty="0"/>
-              <a:t>싸워라</a:t>
-            </a:r>
-            <a:endParaRPr lang="en-US" altLang="ko-KR" b="1" u="sng" dirty="0"/>
-          </a:p>
-          <a:p>
-            <a:r>
-              <a:rPr lang="ko-KR" altLang="en-US" dirty="0" err="1"/>
+              <a:rPr lang="ko-KR" altLang="en-US" b="1" dirty="0"/>
+              <a:t>원하는 캐릭터를 고르고</a:t>
+            </a:r>
+            <a:endParaRPr lang="en-US" altLang="ko-KR" b="1" dirty="0"/>
+          </a:p>
+          <a:p>
+            <a:r>
+              <a:rPr lang="en-US" altLang="ko-KR" b="1" dirty="0"/>
+              <a:t>7</a:t>
+            </a:r>
+            <a:r>
+              <a:rPr lang="ko-KR" altLang="en-US" b="1" dirty="0"/>
+              <a:t>장의 카드로 자신만의 </a:t>
+            </a:r>
+            <a:r>
+              <a:rPr lang="ko-KR" altLang="en-US" b="1" dirty="0" err="1"/>
               <a:t>덱</a:t>
             </a:r>
             <a:r>
-              <a:rPr lang="ko-KR" altLang="en-US" dirty="0"/>
-              <a:t> 빌딩 게임</a:t>
-            </a:r>
-            <a:endParaRPr lang="en-US" altLang="ko-KR" dirty="0"/>
-          </a:p>
-          <a:p>
-            <a:r>
-              <a:rPr lang="ko-KR" altLang="en-US" dirty="0" err="1"/>
-              <a:t>덱을</a:t>
-            </a:r>
-            <a:r>
-              <a:rPr lang="ko-KR" altLang="en-US" dirty="0"/>
-              <a:t> 플레이어가 만들고</a:t>
-            </a:r>
-            <a:endParaRPr lang="en-US" altLang="ko-KR" dirty="0"/>
-          </a:p>
-          <a:p>
-            <a:r>
-              <a:rPr lang="ko-KR" altLang="en-US" dirty="0" err="1"/>
+              <a:rPr lang="en-US" altLang="ko-KR" b="1" dirty="0"/>
+              <a:t>(12</a:t>
+            </a:r>
+            <a:r>
+              <a:rPr lang="ko-KR" altLang="en-US" b="1" dirty="0"/>
+              <a:t>장</a:t>
+            </a:r>
+            <a:r>
+              <a:rPr lang="en-US" altLang="ko-KR" b="1" dirty="0"/>
+              <a:t>)</a:t>
+            </a:r>
+            <a:r>
+              <a:rPr lang="ko-KR" altLang="en-US" b="1" dirty="0"/>
+              <a:t>구성하고</a:t>
+            </a:r>
+            <a:endParaRPr lang="en-US" altLang="ko-KR" b="1" dirty="0"/>
+          </a:p>
+          <a:p>
+            <a:r>
+              <a:rPr lang="ko-KR" altLang="en-US" b="1" dirty="0" err="1"/>
               <a:t>덱에서</a:t>
             </a:r>
             <a:r>
-              <a:rPr lang="ko-KR" altLang="en-US" dirty="0"/>
-              <a:t> 카드가 매 턴 </a:t>
-            </a:r>
-            <a:r>
-              <a:rPr lang="en-US" altLang="ko-KR" dirty="0"/>
+              <a:rPr lang="ko-KR" altLang="en-US" b="1" dirty="0"/>
+              <a:t> 랜덤으로 나오는 </a:t>
+            </a:r>
+            <a:r>
+              <a:rPr lang="en-US" altLang="ko-KR" b="1" dirty="0"/>
               <a:t>3</a:t>
             </a:r>
             <a:r>
-              <a:rPr lang="ko-KR" altLang="en-US" dirty="0"/>
-              <a:t>장씩 랜덤으로 출력되어 싸운다</a:t>
-            </a:r>
-            <a:r>
-              <a:rPr lang="en-US" altLang="ko-KR" dirty="0"/>
+              <a:rPr lang="ko-KR" altLang="en-US" b="1" dirty="0"/>
+              <a:t>장에 카드 중</a:t>
+            </a:r>
+            <a:endParaRPr lang="en-US" altLang="ko-KR" b="1" dirty="0"/>
+          </a:p>
+          <a:p>
+            <a:r>
+              <a:rPr lang="ko-KR" altLang="en-US" b="1" dirty="0"/>
+              <a:t>하나를 골라서 싸운다</a:t>
+            </a:r>
+            <a:r>
+              <a:rPr lang="en-US" altLang="ko-KR" b="1" dirty="0"/>
               <a:t>.</a:t>
+            </a:r>
+          </a:p>
+          <a:p>
+            <a:r>
+              <a:rPr lang="ko-KR" altLang="en-US" b="1" dirty="0"/>
+              <a:t>상대방의 체력을 먼저 </a:t>
+            </a:r>
+            <a:r>
+              <a:rPr lang="en-US" altLang="ko-KR" b="1" dirty="0"/>
+              <a:t>0</a:t>
+            </a:r>
+            <a:r>
+              <a:rPr lang="ko-KR" altLang="en-US" b="1" dirty="0"/>
+              <a:t>으로 만들면 승리</a:t>
             </a:r>
             <a:endParaRPr lang="ko-KR" altLang="en-US" dirty="0"/>
           </a:p>
@@ -6966,6 +6991,2012 @@
 </file>
 
 <file path=ppt/slides/slide3.xml><?xml version="1.0" encoding="utf-8"?>
+<p:sld xmlns:a="http://schemas.openxmlformats.org/drawingml/2006/main" xmlns:r="http://schemas.openxmlformats.org/officeDocument/2006/relationships" xmlns:p="http://schemas.openxmlformats.org/presentationml/2006/main">
+  <p:cSld>
+    <p:spTree>
+      <p:nvGrpSpPr>
+        <p:cNvPr id="1" name=""/>
+        <p:cNvGrpSpPr/>
+        <p:nvPr/>
+      </p:nvGrpSpPr>
+      <p:grpSpPr>
+        <a:xfrm>
+          <a:off x="0" y="0"/>
+          <a:ext cx="0" cy="0"/>
+          <a:chOff x="0" y="0"/>
+          <a:chExt cx="0" cy="0"/>
+        </a:xfrm>
+      </p:grpSpPr>
+      <p:sp>
+        <p:nvSpPr>
+          <p:cNvPr id="3" name="제목 2">
+            <a:extLst>
+              <a:ext uri="{FF2B5EF4-FFF2-40B4-BE49-F238E27FC236}">
+                <a16:creationId xmlns:a16="http://schemas.microsoft.com/office/drawing/2014/main" id="{0B4E9533-7208-4201-8137-50089BB0A0D7}"/>
+              </a:ext>
+            </a:extLst>
+          </p:cNvPr>
+          <p:cNvSpPr>
+            <a:spLocks noGrp="1"/>
+          </p:cNvSpPr>
+          <p:nvPr>
+            <p:ph type="title"/>
+          </p:nvPr>
+        </p:nvSpPr>
+        <p:spPr>
+          <a:xfrm>
+            <a:off x="677334" y="609600"/>
+            <a:ext cx="8596668" cy="700726"/>
+          </a:xfrm>
+        </p:spPr>
+        <p:txBody>
+          <a:bodyPr/>
+          <a:lstStyle/>
+          <a:p>
+            <a:pPr algn="l"/>
+            <a:r>
+              <a:rPr lang="ko-KR" altLang="en-US" dirty="0">
+                <a:solidFill>
+                  <a:schemeClr val="tx2"/>
+                </a:solidFill>
+              </a:rPr>
+              <a:t>개발 진척도</a:t>
+            </a:r>
+          </a:p>
+        </p:txBody>
+      </p:sp>
+      <p:graphicFrame>
+        <p:nvGraphicFramePr>
+          <p:cNvPr id="8" name="표 7">
+            <a:extLst>
+              <a:ext uri="{FF2B5EF4-FFF2-40B4-BE49-F238E27FC236}">
+                <a16:creationId xmlns:a16="http://schemas.microsoft.com/office/drawing/2014/main" id="{0A3246A9-8DAA-414D-B570-E21E9443D85E}"/>
+              </a:ext>
+            </a:extLst>
+          </p:cNvPr>
+          <p:cNvGraphicFramePr>
+            <a:graphicFrameLocks noGrp="1"/>
+          </p:cNvGraphicFramePr>
+          <p:nvPr>
+            <p:extLst>
+              <p:ext uri="{D42A27DB-BD31-4B8C-83A1-F6EECF244321}">
+                <p14:modId xmlns:p14="http://schemas.microsoft.com/office/powerpoint/2010/main" val="2363109393"/>
+              </p:ext>
+            </p:extLst>
+          </p:nvPr>
+        </p:nvGraphicFramePr>
+        <p:xfrm>
+          <a:off x="169206" y="1306005"/>
+          <a:ext cx="5845096" cy="370840"/>
+        </p:xfrm>
+        <a:graphic>
+          <a:graphicData uri="http://schemas.openxmlformats.org/drawingml/2006/table">
+            <a:tbl>
+              <a:tblPr firstRow="1" bandRow="1">
+                <a:tableStyleId>{21E4AEA4-8DFA-4A89-87EB-49C32662AFE0}</a:tableStyleId>
+              </a:tblPr>
+              <a:tblGrid>
+                <a:gridCol w="962010">
+                  <a:extLst>
+                    <a:ext uri="{9D8B030D-6E8A-4147-A177-3AD203B41FA5}">
+                      <a16:colId xmlns:a16="http://schemas.microsoft.com/office/drawing/2014/main" val="2525630479"/>
+                    </a:ext>
+                  </a:extLst>
+                </a:gridCol>
+                <a:gridCol w="4883086">
+                  <a:extLst>
+                    <a:ext uri="{9D8B030D-6E8A-4147-A177-3AD203B41FA5}">
+                      <a16:colId xmlns:a16="http://schemas.microsoft.com/office/drawing/2014/main" val="2179683786"/>
+                    </a:ext>
+                  </a:extLst>
+                </a:gridCol>
+              </a:tblGrid>
+              <a:tr h="370840">
+                <a:tc>
+                  <a:txBody>
+                    <a:bodyPr/>
+                    <a:lstStyle/>
+                    <a:p>
+                      <a:pPr algn="ctr" latinLnBrk="1"/>
+                      <a:r>
+                        <a:rPr lang="ko-KR" altLang="en-US" dirty="0"/>
+                        <a:t>내용</a:t>
+                      </a:r>
+                    </a:p>
+                  </a:txBody>
+                  <a:tcPr/>
+                </a:tc>
+                <a:tc>
+                  <a:txBody>
+                    <a:bodyPr/>
+                    <a:lstStyle/>
+                    <a:p>
+                      <a:pPr algn="ctr" latinLnBrk="1"/>
+                      <a:r>
+                        <a:rPr lang="ko-KR" altLang="en-US" dirty="0"/>
+                        <a:t>목표 범위</a:t>
+                      </a:r>
+                    </a:p>
+                  </a:txBody>
+                  <a:tcPr/>
+                </a:tc>
+                <a:extLst>
+                  <a:ext uri="{0D108BD9-81ED-4DB2-BD59-A6C34878D82A}">
+                    <a16:rowId xmlns:a16="http://schemas.microsoft.com/office/drawing/2014/main" val="2676936138"/>
+                  </a:ext>
+                </a:extLst>
+              </a:tr>
+            </a:tbl>
+          </a:graphicData>
+        </a:graphic>
+      </p:graphicFrame>
+      <p:graphicFrame>
+        <p:nvGraphicFramePr>
+          <p:cNvPr id="9" name="표 8">
+            <a:extLst>
+              <a:ext uri="{FF2B5EF4-FFF2-40B4-BE49-F238E27FC236}">
+                <a16:creationId xmlns:a16="http://schemas.microsoft.com/office/drawing/2014/main" id="{69EA4D34-E995-48CF-B935-7A87169BF155}"/>
+              </a:ext>
+            </a:extLst>
+          </p:cNvPr>
+          <p:cNvGraphicFramePr>
+            <a:graphicFrameLocks noGrp="1"/>
+          </p:cNvGraphicFramePr>
+          <p:nvPr>
+            <p:extLst>
+              <p:ext uri="{D42A27DB-BD31-4B8C-83A1-F6EECF244321}">
+                <p14:modId xmlns:p14="http://schemas.microsoft.com/office/powerpoint/2010/main" val="346514821"/>
+              </p:ext>
+            </p:extLst>
+          </p:nvPr>
+        </p:nvGraphicFramePr>
+        <p:xfrm>
+          <a:off x="178575" y="1676845"/>
+          <a:ext cx="5835727" cy="4328029"/>
+        </p:xfrm>
+        <a:graphic>
+          <a:graphicData uri="http://schemas.openxmlformats.org/drawingml/2006/table">
+            <a:tbl>
+              <a:tblPr firstRow="1" bandRow="1">
+                <a:tableStyleId>{69CF1AB2-1976-4502-BF36-3FF5EA218861}</a:tableStyleId>
+              </a:tblPr>
+              <a:tblGrid>
+                <a:gridCol w="971495">
+                  <a:extLst>
+                    <a:ext uri="{9D8B030D-6E8A-4147-A177-3AD203B41FA5}">
+                      <a16:colId xmlns:a16="http://schemas.microsoft.com/office/drawing/2014/main" val="3277445923"/>
+                    </a:ext>
+                  </a:extLst>
+                </a:gridCol>
+                <a:gridCol w="4864232">
+                  <a:extLst>
+                    <a:ext uri="{9D8B030D-6E8A-4147-A177-3AD203B41FA5}">
+                      <a16:colId xmlns:a16="http://schemas.microsoft.com/office/drawing/2014/main" val="793233773"/>
+                    </a:ext>
+                  </a:extLst>
+                </a:gridCol>
+              </a:tblGrid>
+              <a:tr h="554758">
+                <a:tc>
+                  <a:txBody>
+                    <a:bodyPr/>
+                    <a:lstStyle/>
+                    <a:p>
+                      <a:pPr algn="ctr" latinLnBrk="1"/>
+                      <a:r>
+                        <a:rPr lang="ko-KR" altLang="en-US" sz="1600" dirty="0"/>
+                        <a:t>캐릭터</a:t>
+                      </a:r>
+                      <a:endParaRPr lang="en-US" altLang="ko-KR" sz="1600" dirty="0"/>
+                    </a:p>
+                  </a:txBody>
+                  <a:tcPr/>
+                </a:tc>
+                <a:tc>
+                  <a:txBody>
+                    <a:bodyPr/>
+                    <a:lstStyle/>
+                    <a:p>
+                      <a:pPr algn="ctr" latinLnBrk="1"/>
+                      <a:r>
+                        <a:rPr lang="en-US" altLang="ko-KR" sz="1600" dirty="0"/>
+                        <a:t>4</a:t>
+                      </a:r>
+                      <a:r>
+                        <a:rPr lang="ko-KR" altLang="en-US" sz="1600" dirty="0"/>
+                        <a:t>개의 캐릭터</a:t>
+                      </a:r>
+                      <a:endParaRPr lang="en-US" altLang="ko-KR" sz="1600" dirty="0"/>
+                    </a:p>
+                    <a:p>
+                      <a:pPr algn="ctr" latinLnBrk="1"/>
+                      <a:r>
+                        <a:rPr lang="ko-KR" altLang="en-US" sz="1600" dirty="0" err="1"/>
+                        <a:t>서로다른</a:t>
+                      </a:r>
+                      <a:r>
+                        <a:rPr lang="ko-KR" altLang="en-US" sz="1600" dirty="0"/>
+                        <a:t> 애니메이션</a:t>
+                      </a:r>
+                      <a:endParaRPr lang="en-US" altLang="ko-KR" sz="1600" dirty="0"/>
+                    </a:p>
+                  </a:txBody>
+                  <a:tcPr/>
+                </a:tc>
+                <a:extLst>
+                  <a:ext uri="{0D108BD9-81ED-4DB2-BD59-A6C34878D82A}">
+                    <a16:rowId xmlns:a16="http://schemas.microsoft.com/office/drawing/2014/main" val="4278585967"/>
+                  </a:ext>
+                </a:extLst>
+              </a:tr>
+              <a:tr h="613153">
+                <a:tc>
+                  <a:txBody>
+                    <a:bodyPr/>
+                    <a:lstStyle/>
+                    <a:p>
+                      <a:pPr algn="ctr" latinLnBrk="1"/>
+                      <a:r>
+                        <a:rPr lang="en-US" altLang="ko-KR" b="1" dirty="0"/>
+                        <a:t> </a:t>
+                      </a:r>
+                      <a:r>
+                        <a:rPr lang="ko-KR" altLang="en-US" b="1" dirty="0"/>
+                        <a:t>맵</a:t>
+                      </a:r>
+                    </a:p>
+                  </a:txBody>
+                  <a:tcPr/>
+                </a:tc>
+                <a:tc>
+                  <a:txBody>
+                    <a:bodyPr/>
+                    <a:lstStyle/>
+                    <a:p>
+                      <a:pPr algn="ctr" latinLnBrk="1"/>
+                      <a:r>
+                        <a:rPr lang="ko-KR" altLang="en-US" b="1" dirty="0"/>
+                        <a:t>스테이지 </a:t>
+                      </a:r>
+                      <a:r>
+                        <a:rPr lang="en-US" altLang="ko-KR" b="1" dirty="0"/>
+                        <a:t>3</a:t>
+                      </a:r>
+                      <a:r>
+                        <a:rPr lang="ko-KR" altLang="en-US" b="1" dirty="0"/>
+                        <a:t>개</a:t>
+                      </a:r>
+                      <a:endParaRPr lang="en-US" altLang="ko-KR" b="1" dirty="0"/>
+                    </a:p>
+                    <a:p>
+                      <a:pPr algn="ctr" latinLnBrk="1"/>
+                      <a:r>
+                        <a:rPr lang="en-US" altLang="ko-KR" b="1" dirty="0"/>
+                        <a:t>(</a:t>
+                      </a:r>
+                      <a:r>
+                        <a:rPr lang="ko-KR" altLang="en-US" b="1" dirty="0"/>
+                        <a:t>신사</a:t>
+                      </a:r>
+                      <a:r>
+                        <a:rPr lang="en-US" altLang="ko-KR" b="1" dirty="0"/>
+                        <a:t>, </a:t>
+                      </a:r>
+                      <a:r>
+                        <a:rPr lang="ko-KR" altLang="en-US" b="1" dirty="0"/>
+                        <a:t>대나무 숲</a:t>
+                      </a:r>
+                      <a:r>
+                        <a:rPr lang="en-US" altLang="ko-KR" b="1" dirty="0"/>
+                        <a:t>, </a:t>
+                      </a:r>
+                      <a:r>
+                        <a:rPr lang="ko-KR" altLang="en-US" b="1" dirty="0"/>
+                        <a:t>시계탑</a:t>
+                      </a:r>
+                      <a:r>
+                        <a:rPr lang="en-US" altLang="ko-KR" b="1" dirty="0"/>
+                        <a:t>)</a:t>
+                      </a:r>
+                      <a:endParaRPr lang="ko-KR" altLang="en-US" b="1" dirty="0"/>
+                    </a:p>
+                  </a:txBody>
+                  <a:tcPr/>
+                </a:tc>
+                <a:extLst>
+                  <a:ext uri="{0D108BD9-81ED-4DB2-BD59-A6C34878D82A}">
+                    <a16:rowId xmlns:a16="http://schemas.microsoft.com/office/drawing/2014/main" val="4109489495"/>
+                  </a:ext>
+                </a:extLst>
+              </a:tr>
+              <a:tr h="613153">
+                <a:tc>
+                  <a:txBody>
+                    <a:bodyPr/>
+                    <a:lstStyle/>
+                    <a:p>
+                      <a:pPr algn="ctr" latinLnBrk="1"/>
+                      <a:r>
+                        <a:rPr lang="ko-KR" altLang="en-US" b="1" dirty="0"/>
+                        <a:t>난이도</a:t>
+                      </a:r>
+                    </a:p>
+                  </a:txBody>
+                  <a:tcPr/>
+                </a:tc>
+                <a:tc>
+                  <a:txBody>
+                    <a:bodyPr/>
+                    <a:lstStyle/>
+                    <a:p>
+                      <a:pPr algn="ctr" latinLnBrk="1"/>
+                      <a:r>
+                        <a:rPr lang="ko-KR" altLang="en-US" b="1" dirty="0"/>
+                        <a:t>난이도의 따른</a:t>
+                      </a:r>
+                      <a:endParaRPr lang="en-US" altLang="ko-KR" b="1" dirty="0"/>
+                    </a:p>
+                    <a:p>
+                      <a:pPr algn="ctr" latinLnBrk="1"/>
+                      <a:r>
+                        <a:rPr lang="ko-KR" altLang="en-US" b="1" dirty="0"/>
+                        <a:t>적의 공용카드 사용</a:t>
+                      </a:r>
+                    </a:p>
+                  </a:txBody>
+                  <a:tcPr/>
+                </a:tc>
+                <a:extLst>
+                  <a:ext uri="{0D108BD9-81ED-4DB2-BD59-A6C34878D82A}">
+                    <a16:rowId xmlns:a16="http://schemas.microsoft.com/office/drawing/2014/main" val="1675656521"/>
+                  </a:ext>
+                </a:extLst>
+              </a:tr>
+              <a:tr h="963527">
+                <a:tc>
+                  <a:txBody>
+                    <a:bodyPr/>
+                    <a:lstStyle/>
+                    <a:p>
+                      <a:pPr algn="ctr" latinLnBrk="1"/>
+                      <a:r>
+                        <a:rPr lang="ko-KR" altLang="en-US" dirty="0"/>
+                        <a:t>게임</a:t>
+                      </a:r>
+                      <a:endParaRPr lang="en-US" altLang="ko-KR" dirty="0"/>
+                    </a:p>
+                    <a:p>
+                      <a:pPr algn="ctr" latinLnBrk="1"/>
+                      <a:r>
+                        <a:rPr lang="ko-KR" altLang="en-US" dirty="0"/>
+                        <a:t>기능</a:t>
+                      </a:r>
+                    </a:p>
+                  </a:txBody>
+                  <a:tcPr/>
+                </a:tc>
+                <a:tc>
+                  <a:txBody>
+                    <a:bodyPr/>
+                    <a:lstStyle/>
+                    <a:p>
+                      <a:pPr algn="ctr" latinLnBrk="1"/>
+                      <a:r>
+                        <a:rPr lang="ko-KR" altLang="en-US" sz="1200" b="1" dirty="0"/>
+                        <a:t>스킬 피격 시 체력감소</a:t>
+                      </a:r>
+                      <a:endParaRPr lang="en-US" altLang="ko-KR" sz="1200" b="1" dirty="0"/>
+                    </a:p>
+                    <a:p>
+                      <a:pPr algn="ctr" latinLnBrk="1"/>
+                      <a:r>
+                        <a:rPr lang="ko-KR" altLang="en-US" sz="1200" b="1" dirty="0"/>
+                        <a:t>공용카드에 따른 능력치 변화</a:t>
+                      </a:r>
+                      <a:endParaRPr lang="en-US" altLang="ko-KR" sz="1200" b="1" dirty="0"/>
+                    </a:p>
+                    <a:p>
+                      <a:pPr algn="ctr" latinLnBrk="1"/>
+                      <a:r>
+                        <a:rPr lang="ko-KR" altLang="en-US" sz="1200" b="1" dirty="0" err="1"/>
+                        <a:t>덱에서</a:t>
+                      </a:r>
+                      <a:r>
+                        <a:rPr lang="ko-KR" altLang="en-US" sz="1200" b="1" dirty="0"/>
+                        <a:t> 랜덤으로 카드가 </a:t>
+                      </a:r>
+                      <a:r>
+                        <a:rPr lang="en-US" altLang="ko-KR" sz="1200" b="1" dirty="0"/>
+                        <a:t>3</a:t>
+                      </a:r>
+                      <a:r>
+                        <a:rPr lang="ko-KR" altLang="en-US" sz="1200" b="1" dirty="0"/>
+                        <a:t>장 나온다</a:t>
+                      </a:r>
+                      <a:endParaRPr lang="en-US" altLang="ko-KR" sz="1200" b="1" dirty="0"/>
+                    </a:p>
+                    <a:p>
+                      <a:pPr algn="ctr" latinLnBrk="1"/>
+                      <a:r>
+                        <a:rPr lang="en-US" altLang="ko-KR" sz="1200" b="1" dirty="0"/>
+                        <a:t>15</a:t>
+                      </a:r>
+                      <a:r>
+                        <a:rPr lang="ko-KR" altLang="en-US" sz="1200" b="1" dirty="0"/>
+                        <a:t>장의 카드를 전부 사용시 </a:t>
+                      </a:r>
+                      <a:r>
+                        <a:rPr lang="ko-KR" altLang="en-US" sz="1200" b="1" dirty="0" err="1"/>
+                        <a:t>덱</a:t>
+                      </a:r>
+                      <a:r>
+                        <a:rPr lang="ko-KR" altLang="en-US" sz="1200" b="1" dirty="0"/>
+                        <a:t> 리셋</a:t>
+                      </a:r>
+                      <a:endParaRPr lang="en-US" altLang="ko-KR" sz="1200" b="1" dirty="0"/>
+                    </a:p>
+                    <a:p>
+                      <a:pPr algn="ctr" latinLnBrk="1"/>
+                      <a:r>
+                        <a:rPr lang="ko-KR" altLang="en-US" sz="1200" b="1" dirty="0"/>
+                        <a:t>특정 스킬 사용시 일러스트 출력</a:t>
+                      </a:r>
+                      <a:endParaRPr lang="en-US" altLang="ko-KR" sz="1200" b="1" dirty="0"/>
+                    </a:p>
+                  </a:txBody>
+                  <a:tcPr/>
+                </a:tc>
+                <a:extLst>
+                  <a:ext uri="{0D108BD9-81ED-4DB2-BD59-A6C34878D82A}">
+                    <a16:rowId xmlns:a16="http://schemas.microsoft.com/office/drawing/2014/main" val="166510948"/>
+                  </a:ext>
+                </a:extLst>
+              </a:tr>
+              <a:tr h="548509">
+                <a:tc>
+                  <a:txBody>
+                    <a:bodyPr/>
+                    <a:lstStyle/>
+                    <a:p>
+                      <a:pPr algn="ctr" latinLnBrk="1"/>
+                      <a:r>
+                        <a:rPr lang="ko-KR" altLang="en-US" dirty="0"/>
+                        <a:t>사운드</a:t>
+                      </a:r>
+                    </a:p>
+                  </a:txBody>
+                  <a:tcPr/>
+                </a:tc>
+                <a:tc>
+                  <a:txBody>
+                    <a:bodyPr/>
+                    <a:lstStyle/>
+                    <a:p>
+                      <a:pPr algn="ctr" latinLnBrk="1"/>
+                      <a:r>
+                        <a:rPr lang="ko-KR" altLang="en-US" b="1" dirty="0"/>
+                        <a:t>배경음악</a:t>
+                      </a:r>
+                      <a:r>
+                        <a:rPr lang="en-US" altLang="ko-KR" b="1" dirty="0"/>
+                        <a:t>, </a:t>
+                      </a:r>
+                      <a:r>
+                        <a:rPr lang="ko-KR" altLang="en-US" b="1" dirty="0"/>
+                        <a:t>캐릭터 스킬 별 음성 출력</a:t>
+                      </a:r>
+                    </a:p>
+                  </a:txBody>
+                  <a:tcPr/>
+                </a:tc>
+                <a:extLst>
+                  <a:ext uri="{0D108BD9-81ED-4DB2-BD59-A6C34878D82A}">
+                    <a16:rowId xmlns:a16="http://schemas.microsoft.com/office/drawing/2014/main" val="570683999"/>
+                  </a:ext>
+                </a:extLst>
+              </a:tr>
+              <a:tr h="875933">
+                <a:tc>
+                  <a:txBody>
+                    <a:bodyPr/>
+                    <a:lstStyle/>
+                    <a:p>
+                      <a:pPr algn="ctr" latinLnBrk="1"/>
+                      <a:r>
+                        <a:rPr lang="ko-KR" altLang="en-US" dirty="0"/>
+                        <a:t>애니메이션</a:t>
+                      </a:r>
+                    </a:p>
+                  </a:txBody>
+                  <a:tcPr/>
+                </a:tc>
+                <a:tc>
+                  <a:txBody>
+                    <a:bodyPr/>
+                    <a:lstStyle/>
+                    <a:p>
+                      <a:pPr algn="ctr" latinLnBrk="1"/>
+                      <a:r>
+                        <a:rPr lang="en-US" altLang="ko-KR" b="1" dirty="0"/>
+                        <a:t>28</a:t>
+                      </a:r>
+                      <a:r>
+                        <a:rPr lang="ko-KR" altLang="en-US" b="1" dirty="0"/>
+                        <a:t>종</a:t>
+                      </a:r>
+                      <a:r>
+                        <a:rPr lang="en-US" altLang="ko-KR" b="1" dirty="0"/>
+                        <a:t>(</a:t>
+                      </a:r>
+                      <a:r>
+                        <a:rPr lang="ko-KR" altLang="en-US" b="1" dirty="0"/>
+                        <a:t>각 캐릭터별 스킬</a:t>
+                      </a:r>
+                      <a:r>
+                        <a:rPr lang="en-US" altLang="ko-KR" b="1" dirty="0"/>
+                        <a:t>, </a:t>
+                      </a:r>
+                      <a:r>
+                        <a:rPr lang="ko-KR" altLang="en-US" b="1" dirty="0" err="1"/>
+                        <a:t>스탠딩</a:t>
+                      </a:r>
+                      <a:r>
+                        <a:rPr lang="en-US" altLang="ko-KR" b="1" dirty="0"/>
+                        <a:t>, </a:t>
+                      </a:r>
+                      <a:r>
+                        <a:rPr lang="ko-KR" altLang="en-US" b="1" dirty="0"/>
+                        <a:t>피격</a:t>
+                      </a:r>
+                      <a:r>
+                        <a:rPr lang="en-US" altLang="ko-KR" b="1" dirty="0"/>
+                        <a:t>,           </a:t>
+                      </a:r>
+                      <a:r>
+                        <a:rPr lang="ko-KR" altLang="en-US" b="1" dirty="0"/>
+                        <a:t>다운 모션</a:t>
+                      </a:r>
+                      <a:r>
+                        <a:rPr lang="en-US" altLang="ko-KR" b="1" dirty="0"/>
+                        <a:t>)</a:t>
+                      </a:r>
+                    </a:p>
+                    <a:p>
+                      <a:pPr algn="ctr" latinLnBrk="1"/>
+                      <a:endParaRPr lang="ko-KR" altLang="en-US" b="1" dirty="0"/>
+                    </a:p>
+                  </a:txBody>
+                  <a:tcPr/>
+                </a:tc>
+                <a:extLst>
+                  <a:ext uri="{0D108BD9-81ED-4DB2-BD59-A6C34878D82A}">
+                    <a16:rowId xmlns:a16="http://schemas.microsoft.com/office/drawing/2014/main" val="2174036711"/>
+                  </a:ext>
+                </a:extLst>
+              </a:tr>
+            </a:tbl>
+          </a:graphicData>
+        </a:graphic>
+      </p:graphicFrame>
+      <p:graphicFrame>
+        <p:nvGraphicFramePr>
+          <p:cNvPr id="5" name="표 4">
+            <a:extLst>
+              <a:ext uri="{FF2B5EF4-FFF2-40B4-BE49-F238E27FC236}">
+                <a16:creationId xmlns:a16="http://schemas.microsoft.com/office/drawing/2014/main" id="{B5B2AFC7-918C-4393-BAC8-0531F035A534}"/>
+              </a:ext>
+            </a:extLst>
+          </p:cNvPr>
+          <p:cNvGraphicFramePr>
+            <a:graphicFrameLocks noGrp="1"/>
+          </p:cNvGraphicFramePr>
+          <p:nvPr>
+            <p:extLst>
+              <p:ext uri="{D42A27DB-BD31-4B8C-83A1-F6EECF244321}">
+                <p14:modId xmlns:p14="http://schemas.microsoft.com/office/powerpoint/2010/main" val="3448081844"/>
+              </p:ext>
+            </p:extLst>
+          </p:nvPr>
+        </p:nvGraphicFramePr>
+        <p:xfrm>
+          <a:off x="6023671" y="1306005"/>
+          <a:ext cx="4744521" cy="365760"/>
+        </p:xfrm>
+        <a:graphic>
+          <a:graphicData uri="http://schemas.openxmlformats.org/drawingml/2006/table">
+            <a:tbl>
+              <a:tblPr firstRow="1" bandRow="1">
+                <a:tableStyleId>{21E4AEA4-8DFA-4A89-87EB-49C32662AFE0}</a:tableStyleId>
+              </a:tblPr>
+              <a:tblGrid>
+                <a:gridCol w="3290011">
+                  <a:extLst>
+                    <a:ext uri="{9D8B030D-6E8A-4147-A177-3AD203B41FA5}">
+                      <a16:colId xmlns:a16="http://schemas.microsoft.com/office/drawing/2014/main" val="2525630479"/>
+                    </a:ext>
+                  </a:extLst>
+                </a:gridCol>
+                <a:gridCol w="1454510">
+                  <a:extLst>
+                    <a:ext uri="{9D8B030D-6E8A-4147-A177-3AD203B41FA5}">
+                      <a16:colId xmlns:a16="http://schemas.microsoft.com/office/drawing/2014/main" val="2179683786"/>
+                    </a:ext>
+                  </a:extLst>
+                </a:gridCol>
+              </a:tblGrid>
+              <a:tr h="339810">
+                <a:tc>
+                  <a:txBody>
+                    <a:bodyPr/>
+                    <a:lstStyle/>
+                    <a:p>
+                      <a:pPr algn="ctr" latinLnBrk="1"/>
+                      <a:r>
+                        <a:rPr lang="ko-KR" altLang="en-US" dirty="0"/>
+                        <a:t>실제 개발 완료 범위</a:t>
+                      </a:r>
+                    </a:p>
+                  </a:txBody>
+                  <a:tcPr/>
+                </a:tc>
+                <a:tc>
+                  <a:txBody>
+                    <a:bodyPr/>
+                    <a:lstStyle/>
+                    <a:p>
+                      <a:pPr algn="ctr" latinLnBrk="1"/>
+                      <a:r>
+                        <a:rPr lang="ko-KR" altLang="en-US" dirty="0"/>
+                        <a:t>진척도</a:t>
+                      </a:r>
+                    </a:p>
+                  </a:txBody>
+                  <a:tcPr/>
+                </a:tc>
+                <a:extLst>
+                  <a:ext uri="{0D108BD9-81ED-4DB2-BD59-A6C34878D82A}">
+                    <a16:rowId xmlns:a16="http://schemas.microsoft.com/office/drawing/2014/main" val="2676936138"/>
+                  </a:ext>
+                </a:extLst>
+              </a:tr>
+            </a:tbl>
+          </a:graphicData>
+        </a:graphic>
+      </p:graphicFrame>
+      <p:graphicFrame>
+        <p:nvGraphicFramePr>
+          <p:cNvPr id="6" name="표 5">
+            <a:extLst>
+              <a:ext uri="{FF2B5EF4-FFF2-40B4-BE49-F238E27FC236}">
+                <a16:creationId xmlns:a16="http://schemas.microsoft.com/office/drawing/2014/main" id="{03A33654-BD6D-4EF2-BCB0-C43052F80DB9}"/>
+              </a:ext>
+            </a:extLst>
+          </p:cNvPr>
+          <p:cNvGraphicFramePr>
+            <a:graphicFrameLocks noGrp="1"/>
+          </p:cNvGraphicFramePr>
+          <p:nvPr>
+            <p:extLst>
+              <p:ext uri="{D42A27DB-BD31-4B8C-83A1-F6EECF244321}">
+                <p14:modId xmlns:p14="http://schemas.microsoft.com/office/powerpoint/2010/main" val="1572406489"/>
+              </p:ext>
+            </p:extLst>
+          </p:nvPr>
+        </p:nvGraphicFramePr>
+        <p:xfrm>
+          <a:off x="6023671" y="1677290"/>
+          <a:ext cx="4744521" cy="4303058"/>
+        </p:xfrm>
+        <a:graphic>
+          <a:graphicData uri="http://schemas.openxmlformats.org/drawingml/2006/table">
+            <a:tbl>
+              <a:tblPr firstRow="1" bandRow="1">
+                <a:tableStyleId>{69CF1AB2-1976-4502-BF36-3FF5EA218861}</a:tableStyleId>
+              </a:tblPr>
+              <a:tblGrid>
+                <a:gridCol w="3292793">
+                  <a:extLst>
+                    <a:ext uri="{9D8B030D-6E8A-4147-A177-3AD203B41FA5}">
+                      <a16:colId xmlns:a16="http://schemas.microsoft.com/office/drawing/2014/main" val="3277445923"/>
+                    </a:ext>
+                  </a:extLst>
+                </a:gridCol>
+                <a:gridCol w="1451728">
+                  <a:extLst>
+                    <a:ext uri="{9D8B030D-6E8A-4147-A177-3AD203B41FA5}">
+                      <a16:colId xmlns:a16="http://schemas.microsoft.com/office/drawing/2014/main" val="793233773"/>
+                    </a:ext>
+                  </a:extLst>
+                </a:gridCol>
+              </a:tblGrid>
+              <a:tr h="583995">
+                <a:tc>
+                  <a:txBody>
+                    <a:bodyPr/>
+                    <a:lstStyle/>
+                    <a:p>
+                      <a:pPr algn="ctr" latinLnBrk="1"/>
+                      <a:r>
+                        <a:rPr lang="en-US" altLang="ko-KR" sz="1600" dirty="0"/>
+                        <a:t>4</a:t>
+                      </a:r>
+                      <a:r>
+                        <a:rPr lang="ko-KR" altLang="en-US" sz="1600" dirty="0"/>
+                        <a:t>개의 캐릭터</a:t>
+                      </a:r>
+                      <a:endParaRPr lang="en-US" altLang="ko-KR" sz="1600" dirty="0"/>
+                    </a:p>
+                    <a:p>
+                      <a:pPr algn="ctr" latinLnBrk="1"/>
+                      <a:r>
+                        <a:rPr lang="ko-KR" altLang="en-US" sz="1600" dirty="0"/>
+                        <a:t>다른 스킬 애니메이션</a:t>
+                      </a:r>
+                      <a:endParaRPr lang="en-US" altLang="ko-KR" sz="1600" dirty="0"/>
+                    </a:p>
+                  </a:txBody>
+                  <a:tcPr/>
+                </a:tc>
+                <a:tc>
+                  <a:txBody>
+                    <a:bodyPr/>
+                    <a:lstStyle/>
+                    <a:p>
+                      <a:pPr algn="ctr" latinLnBrk="1">
+                        <a:lnSpc>
+                          <a:spcPct val="200000"/>
+                        </a:lnSpc>
+                      </a:pPr>
+                      <a:r>
+                        <a:rPr lang="en-US" altLang="ko-KR" sz="1600" dirty="0"/>
+                        <a:t>100%</a:t>
+                      </a:r>
+                    </a:p>
+                  </a:txBody>
+                  <a:tcPr/>
+                </a:tc>
+                <a:extLst>
+                  <a:ext uri="{0D108BD9-81ED-4DB2-BD59-A6C34878D82A}">
+                    <a16:rowId xmlns:a16="http://schemas.microsoft.com/office/drawing/2014/main" val="4278585967"/>
+                  </a:ext>
+                </a:extLst>
+              </a:tr>
+              <a:tr h="645468">
+                <a:tc>
+                  <a:txBody>
+                    <a:bodyPr/>
+                    <a:lstStyle/>
+                    <a:p>
+                      <a:pPr algn="ctr" latinLnBrk="1"/>
+                      <a:r>
+                        <a:rPr lang="ko-KR" altLang="en-US" b="1" dirty="0"/>
+                        <a:t>스테이지</a:t>
+                      </a:r>
+                      <a:r>
+                        <a:rPr lang="en-US" altLang="ko-KR" b="1" dirty="0"/>
+                        <a:t>3</a:t>
+                      </a:r>
+                      <a:r>
+                        <a:rPr lang="ko-KR" altLang="en-US" b="1" dirty="0"/>
+                        <a:t>개 완료</a:t>
+                      </a:r>
+                      <a:endParaRPr lang="en-US" altLang="ko-KR" b="1" dirty="0"/>
+                    </a:p>
+                    <a:p>
+                      <a:pPr algn="ctr" latinLnBrk="1"/>
+                      <a:r>
+                        <a:rPr lang="en-US" altLang="ko-KR" b="1" dirty="0"/>
+                        <a:t>(</a:t>
+                      </a:r>
+                      <a:r>
+                        <a:rPr lang="ko-KR" altLang="en-US" b="1" dirty="0"/>
+                        <a:t>대나무 숲</a:t>
+                      </a:r>
+                      <a:r>
+                        <a:rPr lang="en-US" altLang="ko-KR" b="1" dirty="0"/>
+                        <a:t>, </a:t>
+                      </a:r>
+                      <a:r>
+                        <a:rPr lang="ko-KR" altLang="en-US" b="1" dirty="0"/>
+                        <a:t>신사</a:t>
+                      </a:r>
+                      <a:r>
+                        <a:rPr lang="en-US" altLang="ko-KR" b="1" dirty="0"/>
+                        <a:t>, </a:t>
+                      </a:r>
+                      <a:r>
+                        <a:rPr lang="ko-KR" altLang="en-US" b="1" dirty="0"/>
+                        <a:t>시계탑</a:t>
+                      </a:r>
+                      <a:r>
+                        <a:rPr lang="en-US" altLang="ko-KR" b="1" dirty="0"/>
+                        <a:t>)</a:t>
+                      </a:r>
+                      <a:endParaRPr lang="ko-KR" altLang="en-US" b="1" dirty="0"/>
+                    </a:p>
+                  </a:txBody>
+                  <a:tcPr/>
+                </a:tc>
+                <a:tc>
+                  <a:txBody>
+                    <a:bodyPr/>
+                    <a:lstStyle/>
+                    <a:p>
+                      <a:pPr algn="ctr" latinLnBrk="1">
+                        <a:lnSpc>
+                          <a:spcPct val="200000"/>
+                        </a:lnSpc>
+                      </a:pPr>
+                      <a:r>
+                        <a:rPr lang="en-US" altLang="ko-KR" b="1" dirty="0"/>
+                        <a:t>100%</a:t>
+                      </a:r>
+                      <a:endParaRPr lang="ko-KR" altLang="en-US" b="1" dirty="0"/>
+                    </a:p>
+                  </a:txBody>
+                  <a:tcPr/>
+                </a:tc>
+                <a:extLst>
+                  <a:ext uri="{0D108BD9-81ED-4DB2-BD59-A6C34878D82A}">
+                    <a16:rowId xmlns:a16="http://schemas.microsoft.com/office/drawing/2014/main" val="4109489495"/>
+                  </a:ext>
+                </a:extLst>
+              </a:tr>
+              <a:tr h="653443">
+                <a:tc>
+                  <a:txBody>
+                    <a:bodyPr/>
+                    <a:lstStyle/>
+                    <a:p>
+                      <a:pPr algn="ctr" latinLnBrk="1"/>
+                      <a:r>
+                        <a:rPr lang="en-US" altLang="ko-KR" b="1" dirty="0" err="1"/>
+                        <a:t>Nomal</a:t>
+                      </a:r>
+                      <a:r>
+                        <a:rPr lang="en-US" altLang="ko-KR" b="1" dirty="0"/>
+                        <a:t>, Hard </a:t>
+                      </a:r>
+                      <a:r>
+                        <a:rPr lang="ko-KR" altLang="en-US" b="1" dirty="0"/>
+                        <a:t>난이도 </a:t>
+                      </a:r>
+                      <a:r>
+                        <a:rPr lang="en-US" altLang="ko-KR" b="1" dirty="0"/>
+                        <a:t>2</a:t>
+                      </a:r>
+                      <a:r>
+                        <a:rPr lang="ko-KR" altLang="en-US" b="1" dirty="0"/>
+                        <a:t>개</a:t>
+                      </a:r>
+                      <a:endParaRPr lang="en-US" altLang="ko-KR" b="1" dirty="0"/>
+                    </a:p>
+                    <a:p>
+                      <a:pPr algn="ctr" latinLnBrk="1"/>
+                      <a:r>
+                        <a:rPr lang="ko-KR" altLang="en-US" sz="1600" b="1" dirty="0"/>
+                        <a:t>난이도에 따른 적 행동패턴 다양화</a:t>
+                      </a:r>
+                    </a:p>
+                  </a:txBody>
+                  <a:tcPr/>
+                </a:tc>
+                <a:tc>
+                  <a:txBody>
+                    <a:bodyPr/>
+                    <a:lstStyle/>
+                    <a:p>
+                      <a:pPr algn="ctr" latinLnBrk="1">
+                        <a:lnSpc>
+                          <a:spcPct val="200000"/>
+                        </a:lnSpc>
+                      </a:pPr>
+                      <a:r>
+                        <a:rPr lang="en-US" altLang="ko-KR" b="1" dirty="0"/>
+                        <a:t>100%</a:t>
+                      </a:r>
+                      <a:endParaRPr lang="ko-KR" altLang="en-US" b="1" dirty="0"/>
+                    </a:p>
+                  </a:txBody>
+                  <a:tcPr/>
+                </a:tc>
+                <a:extLst>
+                  <a:ext uri="{0D108BD9-81ED-4DB2-BD59-A6C34878D82A}">
+                    <a16:rowId xmlns:a16="http://schemas.microsoft.com/office/drawing/2014/main" val="1675656521"/>
+                  </a:ext>
+                </a:extLst>
+              </a:tr>
+              <a:tr h="998147">
+                <a:tc>
+                  <a:txBody>
+                    <a:bodyPr/>
+                    <a:lstStyle/>
+                    <a:p>
+                      <a:pPr algn="ctr" latinLnBrk="1"/>
+                      <a:r>
+                        <a:rPr lang="ko-KR" altLang="en-US" sz="1600" b="1" dirty="0"/>
+                        <a:t>체력감소</a:t>
+                      </a:r>
+                      <a:r>
+                        <a:rPr lang="en-US" altLang="ko-KR" sz="1600" b="1" dirty="0"/>
+                        <a:t>, </a:t>
+                      </a:r>
+                      <a:r>
+                        <a:rPr lang="ko-KR" altLang="en-US" sz="1600" b="1" dirty="0"/>
+                        <a:t>능력치 변화</a:t>
+                      </a:r>
+                      <a:endParaRPr lang="en-US" altLang="ko-KR" sz="1600" b="1" dirty="0"/>
+                    </a:p>
+                    <a:p>
+                      <a:pPr algn="ctr" latinLnBrk="1"/>
+                      <a:r>
+                        <a:rPr lang="ko-KR" altLang="en-US" sz="1600" b="1" dirty="0" err="1"/>
+                        <a:t>덱</a:t>
+                      </a:r>
+                      <a:r>
+                        <a:rPr lang="ko-KR" altLang="en-US" sz="1600" b="1" dirty="0"/>
+                        <a:t> 랜덤 출력</a:t>
+                      </a:r>
+                      <a:r>
+                        <a:rPr lang="en-US" altLang="ko-KR" sz="1600" b="1" dirty="0"/>
+                        <a:t>, </a:t>
+                      </a:r>
+                      <a:r>
+                        <a:rPr lang="ko-KR" altLang="en-US" sz="1600" b="1" dirty="0" err="1"/>
+                        <a:t>덱</a:t>
+                      </a:r>
+                      <a:r>
+                        <a:rPr lang="ko-KR" altLang="en-US" sz="1600" b="1" dirty="0"/>
+                        <a:t> 리셋 구현완료</a:t>
+                      </a:r>
+                      <a:endParaRPr lang="en-US" altLang="ko-KR" sz="1600" b="1" dirty="0"/>
+                    </a:p>
+                    <a:p>
+                      <a:pPr algn="ctr" latinLnBrk="1"/>
+                      <a:r>
+                        <a:rPr lang="ko-KR" altLang="en-US" sz="1600" b="1" dirty="0"/>
+                        <a:t>일러스트 구현 </a:t>
+                      </a:r>
+                      <a:r>
+                        <a:rPr lang="en-US" altLang="ko-KR" sz="1600" b="1" dirty="0"/>
+                        <a:t>x</a:t>
+                      </a:r>
+                      <a:endParaRPr lang="ko-KR" altLang="en-US" sz="1600" b="1" dirty="0"/>
+                    </a:p>
+                  </a:txBody>
+                  <a:tcPr/>
+                </a:tc>
+                <a:tc>
+                  <a:txBody>
+                    <a:bodyPr/>
+                    <a:lstStyle/>
+                    <a:p>
+                      <a:pPr algn="ctr" latinLnBrk="1">
+                        <a:lnSpc>
+                          <a:spcPct val="200000"/>
+                        </a:lnSpc>
+                      </a:pPr>
+                      <a:r>
+                        <a:rPr lang="en-US" altLang="ko-KR" sz="1800" b="1" dirty="0"/>
+                        <a:t>90%</a:t>
+                      </a:r>
+                    </a:p>
+                  </a:txBody>
+                  <a:tcPr/>
+                </a:tc>
+                <a:extLst>
+                  <a:ext uri="{0D108BD9-81ED-4DB2-BD59-A6C34878D82A}">
+                    <a16:rowId xmlns:a16="http://schemas.microsoft.com/office/drawing/2014/main" val="166510948"/>
+                  </a:ext>
+                </a:extLst>
+              </a:tr>
+              <a:tr h="541558">
+                <a:tc>
+                  <a:txBody>
+                    <a:bodyPr/>
+                    <a:lstStyle/>
+                    <a:p>
+                      <a:pPr algn="ctr" latinLnBrk="1"/>
+                      <a:r>
+                        <a:rPr lang="ko-KR" altLang="en-US" sz="1400" b="1" dirty="0"/>
+                        <a:t>배경음악 </a:t>
+                      </a:r>
+                      <a:r>
+                        <a:rPr lang="en-US" altLang="ko-KR" sz="1400" b="1" dirty="0"/>
+                        <a:t>4</a:t>
+                      </a:r>
+                      <a:r>
+                        <a:rPr lang="ko-KR" altLang="en-US" sz="1400" b="1" dirty="0"/>
+                        <a:t>종</a:t>
+                      </a:r>
+                      <a:r>
+                        <a:rPr lang="en-US" altLang="ko-KR" sz="1400" b="1" dirty="0"/>
+                        <a:t>(main, </a:t>
+                      </a:r>
+                      <a:r>
+                        <a:rPr lang="ko-KR" altLang="en-US" sz="1400" b="1" dirty="0"/>
+                        <a:t>맵</a:t>
+                      </a:r>
+                      <a:r>
+                        <a:rPr lang="en-US" altLang="ko-KR" sz="1400" b="1" dirty="0"/>
+                        <a:t>3</a:t>
+                      </a:r>
+                      <a:r>
+                        <a:rPr lang="ko-KR" altLang="en-US" sz="1400" b="1" dirty="0"/>
+                        <a:t>개</a:t>
+                      </a:r>
+                      <a:r>
+                        <a:rPr lang="en-US" altLang="ko-KR" sz="1400" b="1" dirty="0"/>
+                        <a:t>)</a:t>
+                      </a:r>
+                    </a:p>
+                    <a:p>
+                      <a:pPr algn="ctr" latinLnBrk="1"/>
+                      <a:r>
+                        <a:rPr lang="ko-KR" altLang="en-US" sz="1400" b="1" dirty="0"/>
+                        <a:t>캐릭터 별 다른 음성</a:t>
+                      </a:r>
+                      <a:r>
+                        <a:rPr lang="en-US" altLang="ko-KR" sz="1400" b="1" dirty="0"/>
+                        <a:t> 28</a:t>
+                      </a:r>
+                      <a:r>
+                        <a:rPr lang="ko-KR" altLang="en-US" sz="1400" b="1" dirty="0"/>
+                        <a:t>종</a:t>
+                      </a:r>
+                    </a:p>
+                  </a:txBody>
+                  <a:tcPr/>
+                </a:tc>
+                <a:tc>
+                  <a:txBody>
+                    <a:bodyPr/>
+                    <a:lstStyle/>
+                    <a:p>
+                      <a:pPr algn="ctr" latinLnBrk="1">
+                        <a:lnSpc>
+                          <a:spcPct val="150000"/>
+                        </a:lnSpc>
+                      </a:pPr>
+                      <a:r>
+                        <a:rPr lang="en-US" altLang="ko-KR" b="1" dirty="0"/>
+                        <a:t>100%</a:t>
+                      </a:r>
+                      <a:endParaRPr lang="ko-KR" altLang="en-US" b="1" dirty="0"/>
+                    </a:p>
+                  </a:txBody>
+                  <a:tcPr/>
+                </a:tc>
+                <a:extLst>
+                  <a:ext uri="{0D108BD9-81ED-4DB2-BD59-A6C34878D82A}">
+                    <a16:rowId xmlns:a16="http://schemas.microsoft.com/office/drawing/2014/main" val="570683999"/>
+                  </a:ext>
+                </a:extLst>
+              </a:tr>
+              <a:tr h="880447">
+                <a:tc>
+                  <a:txBody>
+                    <a:bodyPr/>
+                    <a:lstStyle/>
+                    <a:p>
+                      <a:pPr algn="ctr" latinLnBrk="1"/>
+                      <a:r>
+                        <a:rPr lang="ko-KR" altLang="en-US" sz="1600" b="1" dirty="0"/>
+                        <a:t>캐릭터별 애니메이션</a:t>
+                      </a:r>
+                      <a:endParaRPr lang="en-US" altLang="ko-KR" sz="1600" b="1" dirty="0"/>
+                    </a:p>
+                    <a:p>
+                      <a:pPr algn="ctr" latinLnBrk="1"/>
+                      <a:r>
+                        <a:rPr lang="ko-KR" altLang="en-US" sz="1600" b="1" dirty="0"/>
+                        <a:t>총 </a:t>
+                      </a:r>
+                      <a:r>
+                        <a:rPr lang="en-US" altLang="ko-KR" sz="1600" b="1" dirty="0"/>
+                        <a:t>28</a:t>
+                      </a:r>
+                      <a:r>
+                        <a:rPr lang="ko-KR" altLang="en-US" sz="1600" b="1" dirty="0"/>
+                        <a:t>종</a:t>
+                      </a:r>
+                      <a:r>
+                        <a:rPr lang="en-US" altLang="ko-KR" sz="1600" b="1" dirty="0"/>
+                        <a:t>(</a:t>
+                      </a:r>
+                      <a:r>
+                        <a:rPr lang="ko-KR" altLang="en-US" sz="1600" b="1" dirty="0"/>
+                        <a:t>스킬</a:t>
+                      </a:r>
+                      <a:r>
+                        <a:rPr lang="en-US" altLang="ko-KR" sz="1600" b="1" dirty="0"/>
+                        <a:t>4,</a:t>
+                      </a:r>
+                      <a:r>
+                        <a:rPr lang="ko-KR" altLang="en-US" sz="1600" b="1" dirty="0" err="1"/>
+                        <a:t>스탠딩</a:t>
+                      </a:r>
+                      <a:r>
+                        <a:rPr lang="en-US" altLang="ko-KR" sz="1600" b="1" dirty="0"/>
+                        <a:t>,</a:t>
+                      </a:r>
+                      <a:r>
+                        <a:rPr lang="ko-KR" altLang="en-US" sz="1600" b="1" dirty="0"/>
+                        <a:t>피격</a:t>
+                      </a:r>
+                      <a:r>
+                        <a:rPr lang="en-US" altLang="ko-KR" sz="1600" b="1" dirty="0"/>
+                        <a:t>,</a:t>
+                      </a:r>
+                      <a:r>
+                        <a:rPr lang="ko-KR" altLang="en-US" sz="1600" b="1" dirty="0"/>
+                        <a:t>다운</a:t>
+                      </a:r>
+                      <a:r>
+                        <a:rPr lang="en-US" altLang="ko-KR" sz="1600" b="1" dirty="0"/>
+                        <a:t>)</a:t>
+                      </a:r>
+                      <a:endParaRPr lang="ko-KR" altLang="en-US" sz="1600" b="1" dirty="0"/>
+                    </a:p>
+                  </a:txBody>
+                  <a:tcPr/>
+                </a:tc>
+                <a:tc>
+                  <a:txBody>
+                    <a:bodyPr/>
+                    <a:lstStyle/>
+                    <a:p>
+                      <a:pPr algn="ctr" latinLnBrk="1">
+                        <a:lnSpc>
+                          <a:spcPct val="200000"/>
+                        </a:lnSpc>
+                      </a:pPr>
+                      <a:r>
+                        <a:rPr lang="en-US" altLang="ko-KR" dirty="0"/>
+                        <a:t>100%</a:t>
+                      </a:r>
+                      <a:endParaRPr lang="ko-KR" altLang="en-US" dirty="0"/>
+                    </a:p>
+                  </a:txBody>
+                  <a:tcPr/>
+                </a:tc>
+                <a:extLst>
+                  <a:ext uri="{0D108BD9-81ED-4DB2-BD59-A6C34878D82A}">
+                    <a16:rowId xmlns:a16="http://schemas.microsoft.com/office/drawing/2014/main" val="2174036711"/>
+                  </a:ext>
+                </a:extLst>
+              </a:tr>
+            </a:tbl>
+          </a:graphicData>
+        </a:graphic>
+      </p:graphicFrame>
+    </p:spTree>
+    <p:extLst>
+      <p:ext uri="{BB962C8B-B14F-4D97-AF65-F5344CB8AC3E}">
+        <p14:creationId xmlns:p14="http://schemas.microsoft.com/office/powerpoint/2010/main" val="3623146014"/>
+      </p:ext>
+    </p:extLst>
+  </p:cSld>
+  <p:clrMapOvr>
+    <a:masterClrMapping/>
+  </p:clrMapOvr>
+</p:sld>
+</file>
+
+<file path=ppt/slides/slide4.xml><?xml version="1.0" encoding="utf-8"?>
+<p:sld xmlns:a="http://schemas.openxmlformats.org/drawingml/2006/main" xmlns:r="http://schemas.openxmlformats.org/officeDocument/2006/relationships" xmlns:p="http://schemas.openxmlformats.org/presentationml/2006/main">
+  <p:cSld>
+    <p:spTree>
+      <p:nvGrpSpPr>
+        <p:cNvPr id="1" name=""/>
+        <p:cNvGrpSpPr/>
+        <p:nvPr/>
+      </p:nvGrpSpPr>
+      <p:grpSpPr>
+        <a:xfrm>
+          <a:off x="0" y="0"/>
+          <a:ext cx="0" cy="0"/>
+          <a:chOff x="0" y="0"/>
+          <a:chExt cx="0" cy="0"/>
+        </a:xfrm>
+      </p:grpSpPr>
+      <p:pic>
+        <p:nvPicPr>
+          <p:cNvPr id="9" name="그림 8">
+            <a:extLst>
+              <a:ext uri="{FF2B5EF4-FFF2-40B4-BE49-F238E27FC236}">
+                <a16:creationId xmlns:a16="http://schemas.microsoft.com/office/drawing/2014/main" id="{016B9C05-A3BB-4A8D-8A93-563DC450F709}"/>
+              </a:ext>
+            </a:extLst>
+          </p:cNvPr>
+          <p:cNvPicPr>
+            <a:picLocks noChangeAspect="1"/>
+          </p:cNvPicPr>
+          <p:nvPr/>
+        </p:nvPicPr>
+        <p:blipFill>
+          <a:blip r:embed="rId2">
+            <a:extLst>
+              <a:ext uri="{28A0092B-C50C-407E-A947-70E740481C1C}">
+                <a14:useLocalDpi xmlns:a14="http://schemas.microsoft.com/office/drawing/2010/main" val="0"/>
+              </a:ext>
+            </a:extLst>
+          </a:blip>
+          <a:stretch>
+            <a:fillRect/>
+          </a:stretch>
+        </p:blipFill>
+        <p:spPr>
+          <a:xfrm>
+            <a:off x="4726855" y="-1"/>
+            <a:ext cx="7465145" cy="3429001"/>
+          </a:xfrm>
+          <a:prstGeom prst="rect">
+            <a:avLst/>
+          </a:prstGeom>
+        </p:spPr>
+      </p:pic>
+      <p:sp>
+        <p:nvSpPr>
+          <p:cNvPr id="2" name="제목 1">
+            <a:extLst>
+              <a:ext uri="{FF2B5EF4-FFF2-40B4-BE49-F238E27FC236}">
+                <a16:creationId xmlns:a16="http://schemas.microsoft.com/office/drawing/2014/main" id="{56CFF679-F346-483B-88F9-6E7AD0EFBE12}"/>
+              </a:ext>
+            </a:extLst>
+          </p:cNvPr>
+          <p:cNvSpPr>
+            <a:spLocks noGrp="1"/>
+          </p:cNvSpPr>
+          <p:nvPr>
+            <p:ph type="title"/>
+          </p:nvPr>
+        </p:nvSpPr>
+        <p:spPr>
+          <a:xfrm>
+            <a:off x="677334" y="609600"/>
+            <a:ext cx="8596668" cy="870408"/>
+          </a:xfrm>
+        </p:spPr>
+        <p:txBody>
+          <a:bodyPr/>
+          <a:lstStyle/>
+          <a:p>
+            <a:r>
+              <a:rPr lang="en-US" altLang="ko-KR" b="1" dirty="0">
+                <a:solidFill>
+                  <a:schemeClr val="tx1"/>
+                </a:solidFill>
+              </a:rPr>
+              <a:t>Git Commit </a:t>
+            </a:r>
+            <a:r>
+              <a:rPr lang="ko-KR" altLang="en-US" b="1" dirty="0">
+                <a:solidFill>
+                  <a:schemeClr val="tx1"/>
+                </a:solidFill>
+              </a:rPr>
+              <a:t>통계</a:t>
+            </a:r>
+          </a:p>
+        </p:txBody>
+      </p:sp>
+      <p:graphicFrame>
+        <p:nvGraphicFramePr>
+          <p:cNvPr id="5" name="표 4">
+            <a:extLst>
+              <a:ext uri="{FF2B5EF4-FFF2-40B4-BE49-F238E27FC236}">
+                <a16:creationId xmlns:a16="http://schemas.microsoft.com/office/drawing/2014/main" id="{FB72CDCB-7847-45FE-B932-9A35D05C70AF}"/>
+              </a:ext>
+            </a:extLst>
+          </p:cNvPr>
+          <p:cNvGraphicFramePr>
+            <a:graphicFrameLocks noGrp="1"/>
+          </p:cNvGraphicFramePr>
+          <p:nvPr>
+            <p:extLst>
+              <p:ext uri="{D42A27DB-BD31-4B8C-83A1-F6EECF244321}">
+                <p14:modId xmlns:p14="http://schemas.microsoft.com/office/powerpoint/2010/main" val="1739274214"/>
+              </p:ext>
+            </p:extLst>
+          </p:nvPr>
+        </p:nvGraphicFramePr>
+        <p:xfrm>
+          <a:off x="825369" y="1389379"/>
+          <a:ext cx="5829956" cy="5284796"/>
+        </p:xfrm>
+        <a:graphic>
+          <a:graphicData uri="http://schemas.openxmlformats.org/drawingml/2006/table">
+            <a:tbl>
+              <a:tblPr firstRow="1" bandRow="1">
+                <a:tableStyleId>{5C22544A-7EE6-4342-B048-85BDC9FD1C3A}</a:tableStyleId>
+              </a:tblPr>
+              <a:tblGrid>
+                <a:gridCol w="2914978">
+                  <a:extLst>
+                    <a:ext uri="{9D8B030D-6E8A-4147-A177-3AD203B41FA5}">
+                      <a16:colId xmlns:a16="http://schemas.microsoft.com/office/drawing/2014/main" val="2686927232"/>
+                    </a:ext>
+                  </a:extLst>
+                </a:gridCol>
+                <a:gridCol w="2914978">
+                  <a:extLst>
+                    <a:ext uri="{9D8B030D-6E8A-4147-A177-3AD203B41FA5}">
+                      <a16:colId xmlns:a16="http://schemas.microsoft.com/office/drawing/2014/main" val="2474570845"/>
+                    </a:ext>
+                  </a:extLst>
+                </a:gridCol>
+              </a:tblGrid>
+              <a:tr h="480436">
+                <a:tc>
+                  <a:txBody>
+                    <a:bodyPr/>
+                    <a:lstStyle/>
+                    <a:p>
+                      <a:pPr algn="ctr" latinLnBrk="1"/>
+                      <a:r>
+                        <a:rPr lang="ko-KR" altLang="en-US" dirty="0"/>
+                        <a:t>주</a:t>
+                      </a:r>
+                    </a:p>
+                  </a:txBody>
+                  <a:tcPr/>
+                </a:tc>
+                <a:tc>
+                  <a:txBody>
+                    <a:bodyPr/>
+                    <a:lstStyle/>
+                    <a:p>
+                      <a:pPr algn="ctr" latinLnBrk="1"/>
+                      <a:r>
+                        <a:rPr lang="en-US" altLang="ko-KR" dirty="0"/>
+                        <a:t>Commit </a:t>
+                      </a:r>
+                      <a:r>
+                        <a:rPr lang="ko-KR" altLang="en-US" dirty="0"/>
+                        <a:t>횟수</a:t>
+                      </a:r>
+                    </a:p>
+                  </a:txBody>
+                  <a:tcPr/>
+                </a:tc>
+                <a:extLst>
+                  <a:ext uri="{0D108BD9-81ED-4DB2-BD59-A6C34878D82A}">
+                    <a16:rowId xmlns:a16="http://schemas.microsoft.com/office/drawing/2014/main" val="1590348957"/>
+                  </a:ext>
+                </a:extLst>
+              </a:tr>
+              <a:tr h="480436">
+                <a:tc>
+                  <a:txBody>
+                    <a:bodyPr/>
+                    <a:lstStyle/>
+                    <a:p>
+                      <a:pPr algn="ctr" latinLnBrk="1"/>
+                      <a:r>
+                        <a:rPr lang="en-US" altLang="ko-KR" dirty="0"/>
+                        <a:t>Week of Sep 23</a:t>
+                      </a:r>
+                      <a:endParaRPr lang="ko-KR" altLang="en-US" dirty="0"/>
+                    </a:p>
+                  </a:txBody>
+                  <a:tcPr/>
+                </a:tc>
+                <a:tc>
+                  <a:txBody>
+                    <a:bodyPr/>
+                    <a:lstStyle/>
+                    <a:p>
+                      <a:pPr algn="ctr" latinLnBrk="1"/>
+                      <a:r>
+                        <a:rPr lang="en-US" altLang="ko-KR" dirty="0"/>
+                        <a:t>2</a:t>
+                      </a:r>
+                      <a:endParaRPr lang="ko-KR" altLang="en-US" dirty="0"/>
+                    </a:p>
+                  </a:txBody>
+                  <a:tcPr/>
+                </a:tc>
+                <a:extLst>
+                  <a:ext uri="{0D108BD9-81ED-4DB2-BD59-A6C34878D82A}">
+                    <a16:rowId xmlns:a16="http://schemas.microsoft.com/office/drawing/2014/main" val="2022796028"/>
+                  </a:ext>
+                </a:extLst>
+              </a:tr>
+              <a:tr h="480436">
+                <a:tc>
+                  <a:txBody>
+                    <a:bodyPr/>
+                    <a:lstStyle/>
+                    <a:p>
+                      <a:pPr algn="ctr" latinLnBrk="1"/>
+                      <a:r>
+                        <a:rPr lang="en-US" altLang="ko-KR" dirty="0"/>
+                        <a:t>Week of Sep 30</a:t>
+                      </a:r>
+                      <a:endParaRPr lang="ko-KR" altLang="en-US" dirty="0"/>
+                    </a:p>
+                  </a:txBody>
+                  <a:tcPr/>
+                </a:tc>
+                <a:tc>
+                  <a:txBody>
+                    <a:bodyPr/>
+                    <a:lstStyle/>
+                    <a:p>
+                      <a:pPr algn="ctr" latinLnBrk="1"/>
+                      <a:r>
+                        <a:rPr lang="en-US" altLang="ko-KR" dirty="0"/>
+                        <a:t>13</a:t>
+                      </a:r>
+                      <a:endParaRPr lang="ko-KR" altLang="en-US" dirty="0"/>
+                    </a:p>
+                  </a:txBody>
+                  <a:tcPr/>
+                </a:tc>
+                <a:extLst>
+                  <a:ext uri="{0D108BD9-81ED-4DB2-BD59-A6C34878D82A}">
+                    <a16:rowId xmlns:a16="http://schemas.microsoft.com/office/drawing/2014/main" val="2906090206"/>
+                  </a:ext>
+                </a:extLst>
+              </a:tr>
+              <a:tr h="480436">
+                <a:tc>
+                  <a:txBody>
+                    <a:bodyPr/>
+                    <a:lstStyle/>
+                    <a:p>
+                      <a:pPr algn="ctr" latinLnBrk="1"/>
+                      <a:r>
+                        <a:rPr lang="en-US" altLang="ko-KR" dirty="0"/>
+                        <a:t>Week of Oct 7</a:t>
+                      </a:r>
+                      <a:endParaRPr lang="ko-KR" altLang="en-US" dirty="0"/>
+                    </a:p>
+                  </a:txBody>
+                  <a:tcPr/>
+                </a:tc>
+                <a:tc>
+                  <a:txBody>
+                    <a:bodyPr/>
+                    <a:lstStyle/>
+                    <a:p>
+                      <a:pPr algn="ctr" latinLnBrk="1"/>
+                      <a:r>
+                        <a:rPr lang="en-US" altLang="ko-KR" dirty="0"/>
+                        <a:t>44</a:t>
+                      </a:r>
+                      <a:endParaRPr lang="ko-KR" altLang="en-US" dirty="0"/>
+                    </a:p>
+                  </a:txBody>
+                  <a:tcPr/>
+                </a:tc>
+                <a:extLst>
+                  <a:ext uri="{0D108BD9-81ED-4DB2-BD59-A6C34878D82A}">
+                    <a16:rowId xmlns:a16="http://schemas.microsoft.com/office/drawing/2014/main" val="1177332616"/>
+                  </a:ext>
+                </a:extLst>
+              </a:tr>
+              <a:tr h="480436">
+                <a:tc>
+                  <a:txBody>
+                    <a:bodyPr/>
+                    <a:lstStyle/>
+                    <a:p>
+                      <a:pPr algn="ctr" latinLnBrk="1"/>
+                      <a:r>
+                        <a:rPr lang="en-US" altLang="ko-KR" dirty="0"/>
+                        <a:t>Week of Oct 14</a:t>
+                      </a:r>
+                      <a:endParaRPr lang="ko-KR" altLang="en-US" dirty="0"/>
+                    </a:p>
+                  </a:txBody>
+                  <a:tcPr/>
+                </a:tc>
+                <a:tc>
+                  <a:txBody>
+                    <a:bodyPr/>
+                    <a:lstStyle/>
+                    <a:p>
+                      <a:pPr algn="ctr" latinLnBrk="1"/>
+                      <a:r>
+                        <a:rPr lang="en-US" altLang="ko-KR" dirty="0"/>
+                        <a:t>17</a:t>
+                      </a:r>
+                      <a:endParaRPr lang="ko-KR" altLang="en-US" dirty="0"/>
+                    </a:p>
+                  </a:txBody>
+                  <a:tcPr/>
+                </a:tc>
+                <a:extLst>
+                  <a:ext uri="{0D108BD9-81ED-4DB2-BD59-A6C34878D82A}">
+                    <a16:rowId xmlns:a16="http://schemas.microsoft.com/office/drawing/2014/main" val="592137715"/>
+                  </a:ext>
+                </a:extLst>
+              </a:tr>
+              <a:tr h="480436">
+                <a:tc>
+                  <a:txBody>
+                    <a:bodyPr/>
+                    <a:lstStyle/>
+                    <a:p>
+                      <a:pPr algn="ctr" latinLnBrk="1"/>
+                      <a:r>
+                        <a:rPr lang="en-US" altLang="ko-KR" dirty="0"/>
+                        <a:t>Week of Oct 21</a:t>
+                      </a:r>
+                      <a:endParaRPr lang="ko-KR" altLang="en-US" dirty="0"/>
+                    </a:p>
+                  </a:txBody>
+                  <a:tcPr/>
+                </a:tc>
+                <a:tc>
+                  <a:txBody>
+                    <a:bodyPr/>
+                    <a:lstStyle/>
+                    <a:p>
+                      <a:pPr algn="ctr" latinLnBrk="1"/>
+                      <a:r>
+                        <a:rPr lang="en-US" altLang="ko-KR" dirty="0"/>
+                        <a:t>39</a:t>
+                      </a:r>
+                      <a:endParaRPr lang="ko-KR" altLang="en-US" dirty="0"/>
+                    </a:p>
+                  </a:txBody>
+                  <a:tcPr/>
+                </a:tc>
+                <a:extLst>
+                  <a:ext uri="{0D108BD9-81ED-4DB2-BD59-A6C34878D82A}">
+                    <a16:rowId xmlns:a16="http://schemas.microsoft.com/office/drawing/2014/main" val="3930438304"/>
+                  </a:ext>
+                </a:extLst>
+              </a:tr>
+              <a:tr h="480436">
+                <a:tc>
+                  <a:txBody>
+                    <a:bodyPr/>
+                    <a:lstStyle/>
+                    <a:p>
+                      <a:pPr algn="ctr" latinLnBrk="1"/>
+                      <a:r>
+                        <a:rPr lang="en-US" altLang="ko-KR" dirty="0"/>
+                        <a:t>Week of Oct 28</a:t>
+                      </a:r>
+                      <a:endParaRPr lang="ko-KR" altLang="en-US" dirty="0"/>
+                    </a:p>
+                  </a:txBody>
+                  <a:tcPr/>
+                </a:tc>
+                <a:tc>
+                  <a:txBody>
+                    <a:bodyPr/>
+                    <a:lstStyle/>
+                    <a:p>
+                      <a:pPr algn="ctr" latinLnBrk="1"/>
+                      <a:r>
+                        <a:rPr lang="en-US" altLang="ko-KR" dirty="0"/>
+                        <a:t>8</a:t>
+                      </a:r>
+                      <a:endParaRPr lang="ko-KR" altLang="en-US" dirty="0"/>
+                    </a:p>
+                  </a:txBody>
+                  <a:tcPr/>
+                </a:tc>
+                <a:extLst>
+                  <a:ext uri="{0D108BD9-81ED-4DB2-BD59-A6C34878D82A}">
+                    <a16:rowId xmlns:a16="http://schemas.microsoft.com/office/drawing/2014/main" val="3591123825"/>
+                  </a:ext>
+                </a:extLst>
+              </a:tr>
+              <a:tr h="480436">
+                <a:tc>
+                  <a:txBody>
+                    <a:bodyPr/>
+                    <a:lstStyle/>
+                    <a:p>
+                      <a:pPr algn="ctr" latinLnBrk="1"/>
+                      <a:r>
+                        <a:rPr lang="en-US" altLang="ko-KR" dirty="0"/>
+                        <a:t>Week of Nov 4</a:t>
+                      </a:r>
+                      <a:endParaRPr lang="ko-KR" altLang="en-US" dirty="0"/>
+                    </a:p>
+                  </a:txBody>
+                  <a:tcPr/>
+                </a:tc>
+                <a:tc>
+                  <a:txBody>
+                    <a:bodyPr/>
+                    <a:lstStyle/>
+                    <a:p>
+                      <a:pPr algn="ctr" latinLnBrk="1"/>
+                      <a:r>
+                        <a:rPr lang="en-US" altLang="ko-KR" dirty="0"/>
+                        <a:t>14</a:t>
+                      </a:r>
+                      <a:endParaRPr lang="ko-KR" altLang="en-US" dirty="0"/>
+                    </a:p>
+                  </a:txBody>
+                  <a:tcPr/>
+                </a:tc>
+                <a:extLst>
+                  <a:ext uri="{0D108BD9-81ED-4DB2-BD59-A6C34878D82A}">
+                    <a16:rowId xmlns:a16="http://schemas.microsoft.com/office/drawing/2014/main" val="590140635"/>
+                  </a:ext>
+                </a:extLst>
+              </a:tr>
+              <a:tr h="480436">
+                <a:tc>
+                  <a:txBody>
+                    <a:bodyPr/>
+                    <a:lstStyle/>
+                    <a:p>
+                      <a:pPr algn="ctr" latinLnBrk="1"/>
+                      <a:r>
+                        <a:rPr lang="en-US" altLang="ko-KR" dirty="0"/>
+                        <a:t>Week of Nov 11</a:t>
+                      </a:r>
+                      <a:endParaRPr lang="ko-KR" altLang="en-US" dirty="0"/>
+                    </a:p>
+                  </a:txBody>
+                  <a:tcPr/>
+                </a:tc>
+                <a:tc>
+                  <a:txBody>
+                    <a:bodyPr/>
+                    <a:lstStyle/>
+                    <a:p>
+                      <a:pPr algn="ctr" latinLnBrk="1"/>
+                      <a:r>
+                        <a:rPr lang="en-US" altLang="ko-KR" dirty="0"/>
+                        <a:t>18</a:t>
+                      </a:r>
+                      <a:endParaRPr lang="ko-KR" altLang="en-US" dirty="0"/>
+                    </a:p>
+                  </a:txBody>
+                  <a:tcPr/>
+                </a:tc>
+                <a:extLst>
+                  <a:ext uri="{0D108BD9-81ED-4DB2-BD59-A6C34878D82A}">
+                    <a16:rowId xmlns:a16="http://schemas.microsoft.com/office/drawing/2014/main" val="777060970"/>
+                  </a:ext>
+                </a:extLst>
+              </a:tr>
+              <a:tr h="480436">
+                <a:tc>
+                  <a:txBody>
+                    <a:bodyPr/>
+                    <a:lstStyle/>
+                    <a:p>
+                      <a:pPr algn="ctr" latinLnBrk="1"/>
+                      <a:r>
+                        <a:rPr lang="en-US" altLang="ko-KR" dirty="0"/>
+                        <a:t>Week of Nov 18</a:t>
+                      </a:r>
+                      <a:endParaRPr lang="ko-KR" altLang="en-US" dirty="0"/>
+                    </a:p>
+                  </a:txBody>
+                  <a:tcPr/>
+                </a:tc>
+                <a:tc>
+                  <a:txBody>
+                    <a:bodyPr/>
+                    <a:lstStyle/>
+                    <a:p>
+                      <a:pPr algn="ctr" latinLnBrk="1"/>
+                      <a:r>
+                        <a:rPr lang="en-US" altLang="ko-KR" dirty="0"/>
+                        <a:t>50</a:t>
+                      </a:r>
+                      <a:endParaRPr lang="ko-KR" altLang="en-US" dirty="0"/>
+                    </a:p>
+                  </a:txBody>
+                  <a:tcPr/>
+                </a:tc>
+                <a:extLst>
+                  <a:ext uri="{0D108BD9-81ED-4DB2-BD59-A6C34878D82A}">
+                    <a16:rowId xmlns:a16="http://schemas.microsoft.com/office/drawing/2014/main" val="2118951692"/>
+                  </a:ext>
+                </a:extLst>
+              </a:tr>
+              <a:tr h="480436">
+                <a:tc>
+                  <a:txBody>
+                    <a:bodyPr/>
+                    <a:lstStyle/>
+                    <a:p>
+                      <a:pPr algn="ctr" latinLnBrk="1"/>
+                      <a:r>
+                        <a:rPr lang="en-US" altLang="ko-KR" dirty="0"/>
+                        <a:t>Week of Nov 25</a:t>
+                      </a:r>
+                      <a:endParaRPr lang="ko-KR" altLang="en-US" dirty="0"/>
+                    </a:p>
+                  </a:txBody>
+                  <a:tcPr/>
+                </a:tc>
+                <a:tc>
+                  <a:txBody>
+                    <a:bodyPr/>
+                    <a:lstStyle/>
+                    <a:p>
+                      <a:pPr algn="ctr" latinLnBrk="1"/>
+                      <a:r>
+                        <a:rPr lang="en-US" altLang="ko-KR" dirty="0"/>
+                        <a:t>32</a:t>
+                      </a:r>
+                      <a:endParaRPr lang="ko-KR" altLang="en-US" dirty="0"/>
+                    </a:p>
+                  </a:txBody>
+                  <a:tcPr/>
+                </a:tc>
+                <a:extLst>
+                  <a:ext uri="{0D108BD9-81ED-4DB2-BD59-A6C34878D82A}">
+                    <a16:rowId xmlns:a16="http://schemas.microsoft.com/office/drawing/2014/main" val="1687085688"/>
+                  </a:ext>
+                </a:extLst>
+              </a:tr>
+            </a:tbl>
+          </a:graphicData>
+        </a:graphic>
+      </p:graphicFrame>
+      <p:pic>
+        <p:nvPicPr>
+          <p:cNvPr id="7" name="그림 6">
+            <a:extLst>
+              <a:ext uri="{FF2B5EF4-FFF2-40B4-BE49-F238E27FC236}">
+                <a16:creationId xmlns:a16="http://schemas.microsoft.com/office/drawing/2014/main" id="{6A79F9C8-5BC8-4B80-B5AE-D4ED34949D3C}"/>
+              </a:ext>
+            </a:extLst>
+          </p:cNvPr>
+          <p:cNvPicPr>
+            <a:picLocks noChangeAspect="1"/>
+          </p:cNvPicPr>
+          <p:nvPr/>
+        </p:nvPicPr>
+        <p:blipFill>
+          <a:blip r:embed="rId3">
+            <a:extLst>
+              <a:ext uri="{28A0092B-C50C-407E-A947-70E740481C1C}">
+                <a14:useLocalDpi xmlns:a14="http://schemas.microsoft.com/office/drawing/2010/main" val="0"/>
+              </a:ext>
+            </a:extLst>
+          </a:blip>
+          <a:stretch>
+            <a:fillRect/>
+          </a:stretch>
+        </p:blipFill>
+        <p:spPr>
+          <a:xfrm>
+            <a:off x="6893732" y="3429000"/>
+            <a:ext cx="5298268" cy="1513791"/>
+          </a:xfrm>
+          <a:prstGeom prst="rect">
+            <a:avLst/>
+          </a:prstGeom>
+        </p:spPr>
+      </p:pic>
+      <p:sp>
+        <p:nvSpPr>
+          <p:cNvPr id="10" name="TextBox 9">
+            <a:extLst>
+              <a:ext uri="{FF2B5EF4-FFF2-40B4-BE49-F238E27FC236}">
+                <a16:creationId xmlns:a16="http://schemas.microsoft.com/office/drawing/2014/main" id="{EAF2697C-8285-46CA-A8FD-667CDCEBD0E1}"/>
+              </a:ext>
+            </a:extLst>
+          </p:cNvPr>
+          <p:cNvSpPr txBox="1"/>
+          <p:nvPr/>
+        </p:nvSpPr>
+        <p:spPr>
+          <a:xfrm>
+            <a:off x="6655325" y="5183899"/>
+            <a:ext cx="5695764" cy="707886"/>
+          </a:xfrm>
+          <a:prstGeom prst="rect">
+            <a:avLst/>
+          </a:prstGeom>
+          <a:noFill/>
+        </p:spPr>
+        <p:txBody>
+          <a:bodyPr wrap="square" rtlCol="0">
+            <a:spAutoFit/>
+          </a:bodyPr>
+          <a:lstStyle/>
+          <a:p>
+            <a:r>
+              <a:rPr lang="ko-KR" altLang="en-US" sz="4000" b="1" dirty="0"/>
+              <a:t>총 </a:t>
+            </a:r>
+            <a:r>
+              <a:rPr lang="en-US" altLang="ko-KR" sz="4000" b="1" dirty="0"/>
+              <a:t>Commit </a:t>
+            </a:r>
+            <a:r>
+              <a:rPr lang="ko-KR" altLang="en-US" sz="4000" b="1" dirty="0"/>
+              <a:t>횟수 </a:t>
+            </a:r>
+            <a:r>
+              <a:rPr lang="en-US" altLang="ko-KR" sz="4000" b="1" dirty="0"/>
+              <a:t>237 </a:t>
+            </a:r>
+            <a:r>
+              <a:rPr lang="ko-KR" altLang="en-US" sz="4000" b="1" dirty="0"/>
+              <a:t>회</a:t>
+            </a:r>
+          </a:p>
+        </p:txBody>
+      </p:sp>
+    </p:spTree>
+    <p:extLst>
+      <p:ext uri="{BB962C8B-B14F-4D97-AF65-F5344CB8AC3E}">
+        <p14:creationId xmlns:p14="http://schemas.microsoft.com/office/powerpoint/2010/main" val="2201771800"/>
+      </p:ext>
+    </p:extLst>
+  </p:cSld>
+  <p:clrMapOvr>
+    <a:masterClrMapping/>
+  </p:clrMapOvr>
+</p:sld>
+</file>
+
+<file path=ppt/slides/slide5.xml><?xml version="1.0" encoding="utf-8"?>
+<p:sld xmlns:a="http://schemas.openxmlformats.org/drawingml/2006/main" xmlns:r="http://schemas.openxmlformats.org/officeDocument/2006/relationships" xmlns:p="http://schemas.openxmlformats.org/presentationml/2006/main">
+  <p:cSld>
+    <p:spTree>
+      <p:nvGrpSpPr>
+        <p:cNvPr id="1" name=""/>
+        <p:cNvGrpSpPr/>
+        <p:nvPr/>
+      </p:nvGrpSpPr>
+      <p:grpSpPr>
+        <a:xfrm>
+          <a:off x="0" y="0"/>
+          <a:ext cx="0" cy="0"/>
+          <a:chOff x="0" y="0"/>
+          <a:chExt cx="0" cy="0"/>
+        </a:xfrm>
+      </p:grpSpPr>
+      <p:sp>
+        <p:nvSpPr>
+          <p:cNvPr id="2" name="제목 1">
+            <a:extLst>
+              <a:ext uri="{FF2B5EF4-FFF2-40B4-BE49-F238E27FC236}">
+                <a16:creationId xmlns:a16="http://schemas.microsoft.com/office/drawing/2014/main" id="{E7C5BE29-B7D5-4883-A1E0-7206C5920F18}"/>
+              </a:ext>
+            </a:extLst>
+          </p:cNvPr>
+          <p:cNvSpPr>
+            <a:spLocks noGrp="1"/>
+          </p:cNvSpPr>
+          <p:nvPr>
+            <p:ph type="title"/>
+          </p:nvPr>
+        </p:nvSpPr>
+        <p:spPr>
+          <a:xfrm>
+            <a:off x="677334" y="816638"/>
+            <a:ext cx="8596668" cy="1320800"/>
+          </a:xfrm>
+        </p:spPr>
+        <p:txBody>
+          <a:bodyPr/>
+          <a:lstStyle/>
+          <a:p>
+            <a:r>
+              <a:rPr lang="ko-KR" altLang="en-US" b="1" dirty="0">
+                <a:solidFill>
+                  <a:schemeClr val="tx1"/>
+                </a:solidFill>
+              </a:rPr>
+              <a:t>잘된 점 및 아쉬운 점 정리</a:t>
+            </a:r>
+          </a:p>
+        </p:txBody>
+      </p:sp>
+      <p:sp>
+        <p:nvSpPr>
+          <p:cNvPr id="3" name="내용 개체 틀 2">
+            <a:extLst>
+              <a:ext uri="{FF2B5EF4-FFF2-40B4-BE49-F238E27FC236}">
+                <a16:creationId xmlns:a16="http://schemas.microsoft.com/office/drawing/2014/main" id="{98D711A4-F003-40E0-B3E6-F206CB813586}"/>
+              </a:ext>
+            </a:extLst>
+          </p:cNvPr>
+          <p:cNvSpPr>
+            <a:spLocks noGrp="1"/>
+          </p:cNvSpPr>
+          <p:nvPr>
+            <p:ph idx="1"/>
+          </p:nvPr>
+        </p:nvSpPr>
+        <p:spPr/>
+        <p:txBody>
+          <a:bodyPr/>
+          <a:lstStyle/>
+          <a:p>
+            <a:r>
+              <a:rPr lang="en-US" altLang="ko-KR" dirty="0"/>
+              <a:t>Good</a:t>
+            </a:r>
+          </a:p>
+          <a:p>
+            <a:r>
+              <a:rPr lang="ko-KR" altLang="en-US" dirty="0"/>
+              <a:t>내가 기획한 게임을 만들게 된 것</a:t>
+            </a:r>
+            <a:endParaRPr lang="en-US" altLang="ko-KR" dirty="0"/>
+          </a:p>
+          <a:p>
+            <a:endParaRPr lang="en-US" altLang="ko-KR" dirty="0"/>
+          </a:p>
+          <a:p>
+            <a:r>
+              <a:rPr lang="en-US" altLang="ko-KR" dirty="0"/>
+              <a:t>Bad</a:t>
+            </a:r>
+          </a:p>
+          <a:p>
+            <a:r>
+              <a:rPr lang="ko-KR" altLang="en-US" dirty="0"/>
+              <a:t>추가 기획을 구현하지 못했음</a:t>
+            </a:r>
+            <a:endParaRPr lang="en-US" altLang="ko-KR" dirty="0"/>
+          </a:p>
+          <a:p>
+            <a:r>
+              <a:rPr lang="ko-KR" altLang="en-US" dirty="0"/>
+              <a:t>스킬 </a:t>
+            </a:r>
+            <a:r>
+              <a:rPr lang="ko-KR" altLang="en-US" dirty="0" err="1"/>
+              <a:t>애니매이션이</a:t>
+            </a:r>
+            <a:r>
+              <a:rPr lang="ko-KR" altLang="en-US" dirty="0"/>
+              <a:t> 매끄럽지 못하다</a:t>
+            </a:r>
+            <a:r>
+              <a:rPr lang="en-US" altLang="ko-KR" dirty="0"/>
+              <a:t>.</a:t>
+            </a:r>
+          </a:p>
+          <a:p>
+            <a:r>
+              <a:rPr lang="en-US" altLang="ko-KR" dirty="0"/>
+              <a:t>AI</a:t>
+            </a:r>
+            <a:r>
+              <a:rPr lang="ko-KR" altLang="en-US" dirty="0"/>
+              <a:t>를 좀더 세세하게 구현해보고 싶다</a:t>
+            </a:r>
+            <a:r>
+              <a:rPr lang="en-US" altLang="ko-KR" dirty="0"/>
+              <a:t>.</a:t>
+            </a:r>
+          </a:p>
+          <a:p>
+            <a:endParaRPr lang="en-US" altLang="ko-KR" dirty="0"/>
+          </a:p>
+          <a:p>
+            <a:endParaRPr lang="ko-KR" altLang="en-US" dirty="0"/>
+          </a:p>
+        </p:txBody>
+      </p:sp>
+    </p:spTree>
+    <p:extLst>
+      <p:ext uri="{BB962C8B-B14F-4D97-AF65-F5344CB8AC3E}">
+        <p14:creationId xmlns:p14="http://schemas.microsoft.com/office/powerpoint/2010/main" val="626387129"/>
+      </p:ext>
+    </p:extLst>
+  </p:cSld>
+  <p:clrMapOvr>
+    <a:masterClrMapping/>
+  </p:clrMapOvr>
+</p:sld>
+</file>
+
+<file path=ppt/slides/slide6.xml><?xml version="1.0" encoding="utf-8"?>
 <p:sld xmlns:a="http://schemas.openxmlformats.org/drawingml/2006/main" xmlns:r="http://schemas.openxmlformats.org/officeDocument/2006/relationships" xmlns:p="http://schemas.openxmlformats.org/presentationml/2006/main">
   <p:cSld>
     <p:spTree>
